--- a/Verification in BCNs.pptx
+++ b/Verification in BCNs.pptx
@@ -223,7 +223,7 @@
           <a:p>
             <a:fld id="{352A71B1-351E-4871-B614-2D5D54958309}" type="datetimeFigureOut">
               <a:rPr lang="zh-CN" altLang="en-US" smtClean="0"/>
-              <a:t>2018/6/12</a:t>
+              <a:t>2018/6/18</a:t>
             </a:fld>
             <a:endParaRPr lang="zh-CN" altLang="en-US"/>
           </a:p>
@@ -3806,7 +3806,7 @@
           <a:p>
             <a:fld id="{74CE9010-1591-426E-8D40-2DF57FDC797C}" type="datetimeFigureOut">
               <a:rPr lang="zh-CN" altLang="en-US" smtClean="0"/>
-              <a:t>2018/6/12</a:t>
+              <a:t>2018/6/18</a:t>
             </a:fld>
             <a:endParaRPr lang="zh-CN" altLang="en-US"/>
           </a:p>
@@ -3976,7 +3976,7 @@
           <a:p>
             <a:fld id="{74CE9010-1591-426E-8D40-2DF57FDC797C}" type="datetimeFigureOut">
               <a:rPr lang="zh-CN" altLang="en-US" smtClean="0"/>
-              <a:t>2018/6/12</a:t>
+              <a:t>2018/6/18</a:t>
             </a:fld>
             <a:endParaRPr lang="zh-CN" altLang="en-US"/>
           </a:p>
@@ -4156,7 +4156,7 @@
           <a:p>
             <a:fld id="{74CE9010-1591-426E-8D40-2DF57FDC797C}" type="datetimeFigureOut">
               <a:rPr lang="zh-CN" altLang="en-US" smtClean="0"/>
-              <a:t>2018/6/12</a:t>
+              <a:t>2018/6/18</a:t>
             </a:fld>
             <a:endParaRPr lang="zh-CN" altLang="en-US"/>
           </a:p>
@@ -4326,7 +4326,7 @@
           <a:p>
             <a:fld id="{74CE9010-1591-426E-8D40-2DF57FDC797C}" type="datetimeFigureOut">
               <a:rPr lang="zh-CN" altLang="en-US" smtClean="0"/>
-              <a:t>2018/6/12</a:t>
+              <a:t>2018/6/18</a:t>
             </a:fld>
             <a:endParaRPr lang="zh-CN" altLang="en-US"/>
           </a:p>
@@ -4572,7 +4572,7 @@
           <a:p>
             <a:fld id="{74CE9010-1591-426E-8D40-2DF57FDC797C}" type="datetimeFigureOut">
               <a:rPr lang="zh-CN" altLang="en-US" smtClean="0"/>
-              <a:t>2018/6/12</a:t>
+              <a:t>2018/6/18</a:t>
             </a:fld>
             <a:endParaRPr lang="zh-CN" altLang="en-US"/>
           </a:p>
@@ -4804,7 +4804,7 @@
           <a:p>
             <a:fld id="{74CE9010-1591-426E-8D40-2DF57FDC797C}" type="datetimeFigureOut">
               <a:rPr lang="zh-CN" altLang="en-US" smtClean="0"/>
-              <a:t>2018/6/12</a:t>
+              <a:t>2018/6/18</a:t>
             </a:fld>
             <a:endParaRPr lang="zh-CN" altLang="en-US"/>
           </a:p>
@@ -5171,7 +5171,7 @@
           <a:p>
             <a:fld id="{74CE9010-1591-426E-8D40-2DF57FDC797C}" type="datetimeFigureOut">
               <a:rPr lang="zh-CN" altLang="en-US" smtClean="0"/>
-              <a:t>2018/6/12</a:t>
+              <a:t>2018/6/18</a:t>
             </a:fld>
             <a:endParaRPr lang="zh-CN" altLang="en-US"/>
           </a:p>
@@ -5289,7 +5289,7 @@
           <a:p>
             <a:fld id="{74CE9010-1591-426E-8D40-2DF57FDC797C}" type="datetimeFigureOut">
               <a:rPr lang="zh-CN" altLang="en-US" smtClean="0"/>
-              <a:t>2018/6/12</a:t>
+              <a:t>2018/6/18</a:t>
             </a:fld>
             <a:endParaRPr lang="zh-CN" altLang="en-US"/>
           </a:p>
@@ -5384,7 +5384,7 @@
           <a:p>
             <a:fld id="{74CE9010-1591-426E-8D40-2DF57FDC797C}" type="datetimeFigureOut">
               <a:rPr lang="zh-CN" altLang="en-US" smtClean="0"/>
-              <a:t>2018/6/12</a:t>
+              <a:t>2018/6/18</a:t>
             </a:fld>
             <a:endParaRPr lang="zh-CN" altLang="en-US"/>
           </a:p>
@@ -5661,7 +5661,7 @@
           <a:p>
             <a:fld id="{74CE9010-1591-426E-8D40-2DF57FDC797C}" type="datetimeFigureOut">
               <a:rPr lang="zh-CN" altLang="en-US" smtClean="0"/>
-              <a:t>2018/6/12</a:t>
+              <a:t>2018/6/18</a:t>
             </a:fld>
             <a:endParaRPr lang="zh-CN" altLang="en-US"/>
           </a:p>
@@ -5914,7 +5914,7 @@
           <a:p>
             <a:fld id="{74CE9010-1591-426E-8D40-2DF57FDC797C}" type="datetimeFigureOut">
               <a:rPr lang="zh-CN" altLang="en-US" smtClean="0"/>
-              <a:t>2018/6/12</a:t>
+              <a:t>2018/6/18</a:t>
             </a:fld>
             <a:endParaRPr lang="zh-CN" altLang="en-US"/>
           </a:p>
@@ -6127,7 +6127,7 @@
           <a:p>
             <a:fld id="{74CE9010-1591-426E-8D40-2DF57FDC797C}" type="datetimeFigureOut">
               <a:rPr lang="zh-CN" altLang="en-US" smtClean="0"/>
-              <a:t>2018/6/12</a:t>
+              <a:t>2018/6/18</a:t>
             </a:fld>
             <a:endParaRPr lang="zh-CN" altLang="en-US"/>
           </a:p>
@@ -19519,8 +19519,8 @@
           </a:p>
         </p:txBody>
       </p:sp>
-      <mc:AlternateContent xmlns:mc="http://schemas.openxmlformats.org/markup-compatibility/2006">
-        <mc:Choice xmlns:a14="http://schemas.microsoft.com/office/drawing/2010/main" Requires="a14">
+      <mc:AlternateContent xmlns:mc="http://schemas.openxmlformats.org/markup-compatibility/2006" xmlns:a14="http://schemas.microsoft.com/office/drawing/2010/main">
+        <mc:Choice Requires="a14">
           <p:sp>
             <p:nvSpPr>
               <p:cNvPr id="3" name="内容占位符 2"/>
@@ -19660,11 +19660,7 @@
                 </a14:m>
                 <a:r>
                   <a:rPr lang="en-US" altLang="zh-CN" dirty="0"/>
-                  <a:t>)</a:t>
-                </a:r>
-                <a:r>
-                  <a:rPr lang="en-US" altLang="zh-CN" dirty="0"/>
-                  <a:t>=(</a:t>
+                  <a:t>)=(</a:t>
                 </a:r>
                 <a14:m>
                   <m:oMath xmlns:m="http://schemas.openxmlformats.org/officeDocument/2006/math">
@@ -20270,7 +20266,7 @@
             </p:txBody>
           </p:sp>
         </mc:Choice>
-        <mc:Fallback>
+        <mc:Fallback xmlns="">
           <p:sp>
             <p:nvSpPr>
               <p:cNvPr id="3" name="内容占位符 2"/>
@@ -21398,35 +21394,15 @@
             </a:r>
             <a:r>
               <a:rPr lang="en-US" altLang="zh-CN" dirty="0"/>
-              <a:t>one another on and off, then you can have genetic circuits</a:t>
-            </a:r>
-            <a:r>
-              <a:rPr lang="en-US" altLang="zh-CN" dirty="0" smtClean="0"/>
-              <a:t>.” Based </a:t>
-            </a:r>
-            <a:r>
-              <a:rPr lang="en-US" altLang="zh-CN" dirty="0"/>
-              <a:t>on these Boolean-type actions in </a:t>
-            </a:r>
-            <a:r>
-              <a:rPr lang="en-US" altLang="zh-CN" dirty="0" smtClean="0"/>
-              <a:t>genetic circuits</a:t>
-            </a:r>
-            <a:r>
-              <a:rPr lang="en-US" altLang="zh-CN" dirty="0"/>
-              <a:t>, Kauffman proposed using the Boolean network to </a:t>
-            </a:r>
-            <a:r>
-              <a:rPr lang="en-US" altLang="zh-CN" dirty="0" smtClean="0"/>
-              <a:t>describe the </a:t>
-            </a:r>
-            <a:r>
-              <a:rPr lang="en-US" altLang="zh-CN" dirty="0"/>
-              <a:t>genetic circuits </a:t>
-            </a:r>
-            <a:r>
-              <a:rPr lang="en-US" altLang="zh-CN" dirty="0" smtClean="0"/>
-              <a:t>.</a:t>
+              <a:t>one another on and off, then you can have genetic </a:t>
+            </a:r>
+            <a:r>
+              <a:rPr lang="en-US" altLang="zh-CN"/>
+              <a:t>circuits</a:t>
+            </a:r>
+            <a:r>
+              <a:rPr lang="en-US" altLang="zh-CN" smtClean="0"/>
+              <a:t>.”</a:t>
             </a:r>
             <a:endParaRPr lang="zh-CN" altLang="en-US" dirty="0"/>
           </a:p>
@@ -21887,7 +21863,7 @@
           <a:graphicData uri="http://schemas.openxmlformats.org/presentationml/2006/ole">
             <mc:AlternateContent xmlns:mc="http://schemas.openxmlformats.org/markup-compatibility/2006">
               <mc:Choice xmlns:v="urn:schemas-microsoft-com:vml" Requires="v">
-                <p:oleObj spid="_x0000_s1034" name="公式" r:id="rId4" imgW="126720" imgH="215640" progId="Equation.3">
+                <p:oleObj spid="_x0000_s1035" name="公式" r:id="rId4" imgW="126720" imgH="215640" progId="Equation.3">
                   <p:embed/>
                 </p:oleObj>
               </mc:Choice>

--- a/Verification in BCNs.pptx
+++ b/Verification in BCNs.pptx
@@ -223,7 +223,7 @@
           <a:p>
             <a:fld id="{352A71B1-351E-4871-B614-2D5D54958309}" type="datetimeFigureOut">
               <a:rPr lang="zh-CN" altLang="en-US" smtClean="0"/>
-              <a:t>2018/6/18</a:t>
+              <a:t>2018/6/19</a:t>
             </a:fld>
             <a:endParaRPr lang="zh-CN" altLang="en-US"/>
           </a:p>
@@ -3806,7 +3806,7 @@
           <a:p>
             <a:fld id="{74CE9010-1591-426E-8D40-2DF57FDC797C}" type="datetimeFigureOut">
               <a:rPr lang="zh-CN" altLang="en-US" smtClean="0"/>
-              <a:t>2018/6/18</a:t>
+              <a:t>2018/6/19</a:t>
             </a:fld>
             <a:endParaRPr lang="zh-CN" altLang="en-US"/>
           </a:p>
@@ -3976,7 +3976,7 @@
           <a:p>
             <a:fld id="{74CE9010-1591-426E-8D40-2DF57FDC797C}" type="datetimeFigureOut">
               <a:rPr lang="zh-CN" altLang="en-US" smtClean="0"/>
-              <a:t>2018/6/18</a:t>
+              <a:t>2018/6/19</a:t>
             </a:fld>
             <a:endParaRPr lang="zh-CN" altLang="en-US"/>
           </a:p>
@@ -4156,7 +4156,7 @@
           <a:p>
             <a:fld id="{74CE9010-1591-426E-8D40-2DF57FDC797C}" type="datetimeFigureOut">
               <a:rPr lang="zh-CN" altLang="en-US" smtClean="0"/>
-              <a:t>2018/6/18</a:t>
+              <a:t>2018/6/19</a:t>
             </a:fld>
             <a:endParaRPr lang="zh-CN" altLang="en-US"/>
           </a:p>
@@ -4326,7 +4326,7 @@
           <a:p>
             <a:fld id="{74CE9010-1591-426E-8D40-2DF57FDC797C}" type="datetimeFigureOut">
               <a:rPr lang="zh-CN" altLang="en-US" smtClean="0"/>
-              <a:t>2018/6/18</a:t>
+              <a:t>2018/6/19</a:t>
             </a:fld>
             <a:endParaRPr lang="zh-CN" altLang="en-US"/>
           </a:p>
@@ -4572,7 +4572,7 @@
           <a:p>
             <a:fld id="{74CE9010-1591-426E-8D40-2DF57FDC797C}" type="datetimeFigureOut">
               <a:rPr lang="zh-CN" altLang="en-US" smtClean="0"/>
-              <a:t>2018/6/18</a:t>
+              <a:t>2018/6/19</a:t>
             </a:fld>
             <a:endParaRPr lang="zh-CN" altLang="en-US"/>
           </a:p>
@@ -4804,7 +4804,7 @@
           <a:p>
             <a:fld id="{74CE9010-1591-426E-8D40-2DF57FDC797C}" type="datetimeFigureOut">
               <a:rPr lang="zh-CN" altLang="en-US" smtClean="0"/>
-              <a:t>2018/6/18</a:t>
+              <a:t>2018/6/19</a:t>
             </a:fld>
             <a:endParaRPr lang="zh-CN" altLang="en-US"/>
           </a:p>
@@ -5171,7 +5171,7 @@
           <a:p>
             <a:fld id="{74CE9010-1591-426E-8D40-2DF57FDC797C}" type="datetimeFigureOut">
               <a:rPr lang="zh-CN" altLang="en-US" smtClean="0"/>
-              <a:t>2018/6/18</a:t>
+              <a:t>2018/6/19</a:t>
             </a:fld>
             <a:endParaRPr lang="zh-CN" altLang="en-US"/>
           </a:p>
@@ -5289,7 +5289,7 @@
           <a:p>
             <a:fld id="{74CE9010-1591-426E-8D40-2DF57FDC797C}" type="datetimeFigureOut">
               <a:rPr lang="zh-CN" altLang="en-US" smtClean="0"/>
-              <a:t>2018/6/18</a:t>
+              <a:t>2018/6/19</a:t>
             </a:fld>
             <a:endParaRPr lang="zh-CN" altLang="en-US"/>
           </a:p>
@@ -5384,7 +5384,7 @@
           <a:p>
             <a:fld id="{74CE9010-1591-426E-8D40-2DF57FDC797C}" type="datetimeFigureOut">
               <a:rPr lang="zh-CN" altLang="en-US" smtClean="0"/>
-              <a:t>2018/6/18</a:t>
+              <a:t>2018/6/19</a:t>
             </a:fld>
             <a:endParaRPr lang="zh-CN" altLang="en-US"/>
           </a:p>
@@ -5661,7 +5661,7 @@
           <a:p>
             <a:fld id="{74CE9010-1591-426E-8D40-2DF57FDC797C}" type="datetimeFigureOut">
               <a:rPr lang="zh-CN" altLang="en-US" smtClean="0"/>
-              <a:t>2018/6/18</a:t>
+              <a:t>2018/6/19</a:t>
             </a:fld>
             <a:endParaRPr lang="zh-CN" altLang="en-US"/>
           </a:p>
@@ -5914,7 +5914,7 @@
           <a:p>
             <a:fld id="{74CE9010-1591-426E-8D40-2DF57FDC797C}" type="datetimeFigureOut">
               <a:rPr lang="zh-CN" altLang="en-US" smtClean="0"/>
-              <a:t>2018/6/18</a:t>
+              <a:t>2018/6/19</a:t>
             </a:fld>
             <a:endParaRPr lang="zh-CN" altLang="en-US"/>
           </a:p>
@@ -6127,7 +6127,7 @@
           <a:p>
             <a:fld id="{74CE9010-1591-426E-8D40-2DF57FDC797C}" type="datetimeFigureOut">
               <a:rPr lang="zh-CN" altLang="en-US" smtClean="0"/>
-              <a:t>2018/6/18</a:t>
+              <a:t>2018/6/19</a:t>
             </a:fld>
             <a:endParaRPr lang="zh-CN" altLang="en-US"/>
           </a:p>
@@ -20353,8 +20353,8 @@
           </a:p>
         </p:txBody>
       </p:sp>
-      <mc:AlternateContent xmlns:mc="http://schemas.openxmlformats.org/markup-compatibility/2006" xmlns:a14="http://schemas.microsoft.com/office/drawing/2010/main">
-        <mc:Choice Requires="a14">
+      <mc:AlternateContent xmlns:mc="http://schemas.openxmlformats.org/markup-compatibility/2006">
+        <mc:Choice xmlns:a14="http://schemas.microsoft.com/office/drawing/2010/main" Requires="a14">
           <p:sp>
             <p:nvSpPr>
               <p:cNvPr id="3" name="内容占位符 2"/>
@@ -20375,7 +20375,15 @@
                 </a:pPr>
                 <a:r>
                   <a:rPr lang="en-US" altLang="zh-CN" dirty="0" smtClean="0"/>
-                  <a:t>We can use dynamic network to depict relationships between initial states,  after input the input sequence </a:t>
+                  <a:t>We can use dynamic network to depict relationships between initial states, </a:t>
+                </a:r>
+                <a:r>
+                  <a:rPr lang="en-US" altLang="zh-CN" dirty="0" smtClean="0"/>
+                  <a:t>after </a:t>
+                </a:r>
+                <a:r>
+                  <a:rPr lang="en-US" altLang="zh-CN" dirty="0" smtClean="0"/>
+                  <a:t>input the input sequence </a:t>
                 </a:r>
                 <a14:m>
                   <m:oMath xmlns:m="http://schemas.openxmlformats.org/officeDocument/2006/math">
@@ -20441,7 +20449,7 @@
             </p:txBody>
           </p:sp>
         </mc:Choice>
-        <mc:Fallback xmlns="">
+        <mc:Fallback>
           <p:sp>
             <p:nvSpPr>
               <p:cNvPr id="3" name="内容占位符 2"/>
@@ -21097,89 +21105,6 @@
           </a:p>
         </p:txBody>
       </p:sp>
-      <mc:AlternateContent xmlns:mc="http://schemas.openxmlformats.org/markup-compatibility/2006" xmlns:a14="http://schemas.microsoft.com/office/drawing/2010/main">
-        <mc:Choice Requires="a14">
-          <p:sp>
-            <p:nvSpPr>
-              <p:cNvPr id="4" name="矩形 3"/>
-              <p:cNvSpPr/>
-              <p:nvPr/>
-            </p:nvSpPr>
-            <p:spPr>
-              <a:xfrm>
-                <a:off x="5902966" y="3244334"/>
-                <a:ext cx="386067" cy="369332"/>
-              </a:xfrm>
-              <a:prstGeom prst="rect">
-                <a:avLst/>
-              </a:prstGeom>
-            </p:spPr>
-            <p:txBody>
-              <a:bodyPr wrap="none">
-                <a:spAutoFit/>
-              </a:bodyPr>
-              <a:lstStyle/>
-              <a:p>
-                <a:pPr/>
-                <a14:m>
-                  <m:oMathPara xmlns:m="http://schemas.openxmlformats.org/officeDocument/2006/math">
-                    <m:oMathParaPr>
-                      <m:jc m:val="centerGroup"/>
-                    </m:oMathParaPr>
-                    <m:oMath xmlns:m="http://schemas.openxmlformats.org/officeDocument/2006/math">
-                      <m:r>
-                        <a:rPr lang="zh-CN" altLang="en-US" i="1">
-                          <a:latin typeface="Cambria Math" panose="02040503050406030204" pitchFamily="18" charset="0"/>
-                        </a:rPr>
-                        <m:t>𝑢</m:t>
-                      </m:r>
-                    </m:oMath>
-                  </m:oMathPara>
-                </a14:m>
-                <a:endParaRPr lang="zh-CN" altLang="en-US" dirty="0"/>
-              </a:p>
-            </p:txBody>
-          </p:sp>
-        </mc:Choice>
-        <mc:Fallback xmlns="">
-          <p:sp>
-            <p:nvSpPr>
-              <p:cNvPr id="4" name="矩形 3"/>
-              <p:cNvSpPr>
-                <a:spLocks noRot="1" noChangeAspect="1" noMove="1" noResize="1" noEditPoints="1" noAdjustHandles="1" noChangeArrowheads="1" noChangeShapeType="1" noTextEdit="1"/>
-              </p:cNvSpPr>
-              <p:nvPr/>
-            </p:nvSpPr>
-            <p:spPr>
-              <a:xfrm>
-                <a:off x="5902966" y="3244334"/>
-                <a:ext cx="386067" cy="369332"/>
-              </a:xfrm>
-              <a:prstGeom prst="rect">
-                <a:avLst/>
-              </a:prstGeom>
-              <a:blipFill>
-                <a:blip r:embed="rId2"/>
-                <a:stretch>
-                  <a:fillRect/>
-                </a:stretch>
-              </a:blipFill>
-            </p:spPr>
-            <p:txBody>
-              <a:bodyPr/>
-              <a:lstStyle/>
-              <a:p>
-                <a:r>
-                  <a:rPr lang="zh-CN" altLang="en-US">
-                    <a:noFill/>
-                  </a:rPr>
-                  <a:t> </a:t>
-                </a:r>
-              </a:p>
-            </p:txBody>
-          </p:sp>
-        </mc:Fallback>
-      </mc:AlternateContent>
     </p:spTree>
     <p:extLst>
       <p:ext uri="{BB962C8B-B14F-4D97-AF65-F5344CB8AC3E}">
@@ -21863,7 +21788,7 @@
           <a:graphicData uri="http://schemas.openxmlformats.org/presentationml/2006/ole">
             <mc:AlternateContent xmlns:mc="http://schemas.openxmlformats.org/markup-compatibility/2006">
               <mc:Choice xmlns:v="urn:schemas-microsoft-com:vml" Requires="v">
-                <p:oleObj spid="_x0000_s1035" name="公式" r:id="rId4" imgW="126720" imgH="215640" progId="Equation.3">
+                <p:oleObj spid="_x0000_s1037" name="公式" r:id="rId4" imgW="126720" imgH="215640" progId="Equation.3">
                   <p:embed/>
                 </p:oleObj>
               </mc:Choice>
